--- a/Project Interim Submission/updatePrivate Cloud Setup with User  Storage Management.pptx
+++ b/Project Interim Submission/updatePrivate Cloud Setup with User  Storage Management.pptx
@@ -12,7 +12,7 @@
     <p:sldId id="260" r:id="rId6"/>
     <p:sldId id="262" r:id="rId7"/>
     <p:sldId id="264" r:id="rId8"/>
-    <p:sldId id="263" r:id="rId9"/>
+    <p:sldId id="265" r:id="rId9"/>
   </p:sldIdLst>
   <p:sldSz cx="9144000" cy="6858000" type="screen4x3"/>
   <p:notesSz cx="6858000" cy="9144000"/>
@@ -3706,8 +3706,12 @@
           <a:lstStyle/>
           <a:p>
             <a:r>
+              <a:rPr lang="en-US" sz="2800" b="1" dirty="0" smtClean="0"/>
+              <a:t>PUBLIC CLOUD </a:t>
+            </a:r>
+            <a:r>
               <a:rPr lang="en-US" dirty="0" smtClean="0"/>
-              <a:t>PUBLIC CLOUD : </a:t>
+              <a:t>: </a:t>
             </a:r>
             <a:r>
               <a:rPr lang="en-US" sz="2000" dirty="0" smtClean="0"/>
@@ -3717,11 +3721,11 @@
           </a:p>
           <a:p>
             <a:r>
-              <a:rPr lang="en-US" dirty="0" smtClean="0"/>
+              <a:rPr lang="en-US" sz="2800" b="1" dirty="0" smtClean="0"/>
               <a:t>PRIVATE </a:t>
             </a:r>
             <a:r>
-              <a:rPr lang="en-US" dirty="0" smtClean="0"/>
+              <a:rPr lang="en-US" sz="2800" b="1" dirty="0" smtClean="0"/>
               <a:t>CLOUD </a:t>
             </a:r>
             <a:r>
@@ -3776,7 +3780,11 @@
           <a:bodyPr/>
           <a:lstStyle/>
           <a:p>
-            <a:endParaRPr lang="en-US"/>
+            <a:r>
+              <a:rPr lang="en-US" dirty="0" smtClean="0"/>
+              <a:t>Deployment Models</a:t>
+            </a:r>
+            <a:endParaRPr lang="en-US" dirty="0"/>
           </a:p>
         </p:txBody>
       </p:sp>
@@ -3795,26 +3803,38 @@
           <a:bodyPr/>
           <a:lstStyle/>
           <a:p>
-            <a:endParaRPr lang="en-US"/>
-          </a:p>
-        </p:txBody>
-      </p:sp>
-      <p:sp>
-        <p:nvSpPr>
-          <p:cNvPr id="4" name="Text Placeholder 3"/>
-          <p:cNvSpPr>
-            <a:spLocks noGrp="1"/>
-          </p:cNvSpPr>
-          <p:nvPr>
-            <p:ph type="body" sz="half" idx="2"/>
-          </p:nvPr>
-        </p:nvSpPr>
-        <p:spPr/>
-        <p:txBody>
-          <a:bodyPr/>
-          <a:lstStyle/>
-          <a:p>
-            <a:endParaRPr lang="en-US"/>
+            <a:r>
+              <a:rPr lang="en-US" sz="2800" b="1" dirty="0" smtClean="0"/>
+              <a:t>COMMUNITY CLOUD </a:t>
+            </a:r>
+            <a:r>
+              <a:rPr lang="en-US" sz="2000" dirty="0" smtClean="0"/>
+              <a:t>: The Community Cloud allows systems and services to be accessible by group of organizations.</a:t>
+            </a:r>
+            <a:r>
+              <a:rPr lang="en-US" dirty="0" smtClean="0"/>
+              <a:t> </a:t>
+            </a:r>
+            <a:endParaRPr lang="en-US" dirty="0" smtClean="0"/>
+          </a:p>
+          <a:p>
+            <a:r>
+              <a:rPr lang="en-US" sz="2800" b="1" dirty="0" smtClean="0"/>
+              <a:t>HYBRID </a:t>
+            </a:r>
+            <a:r>
+              <a:rPr lang="en-US" sz="2800" b="1" dirty="0" smtClean="0"/>
+              <a:t>CLOUD </a:t>
+            </a:r>
+            <a:r>
+              <a:rPr lang="en-US" dirty="0" smtClean="0"/>
+              <a:t>: </a:t>
+            </a:r>
+            <a:r>
+              <a:rPr lang="en-US" sz="2000" dirty="0" smtClean="0"/>
+              <a:t>The Hybrid Cloud is mixture of public and private cloud. However, the critical activities are performed using private cloud while the non-critical activities are performed using public cloud.</a:t>
+            </a:r>
+            <a:endParaRPr lang="en-US" sz="2000" dirty="0"/>
           </a:p>
         </p:txBody>
       </p:sp>

--- a/Project Interim Submission/updatePrivate Cloud Setup with User  Storage Management.pptx
+++ b/Project Interim Submission/updatePrivate Cloud Setup with User  Storage Management.pptx
@@ -13,6 +13,7 @@
     <p:sldId id="262" r:id="rId7"/>
     <p:sldId id="264" r:id="rId8"/>
     <p:sldId id="265" r:id="rId9"/>
+    <p:sldId id="266" r:id="rId10"/>
   </p:sldIdLst>
   <p:sldSz cx="9144000" cy="6858000" type="screen4x3"/>
   <p:notesSz cx="6858000" cy="9144000"/>
@@ -3835,6 +3836,148 @@
               <a:t>The Hybrid Cloud is mixture of public and private cloud. However, the critical activities are performed using private cloud while the non-critical activities are performed using public cloud.</a:t>
             </a:r>
             <a:endParaRPr lang="en-US" sz="2000" dirty="0"/>
+          </a:p>
+        </p:txBody>
+      </p:sp>
+    </p:spTree>
+  </p:cSld>
+  <p:clrMapOvr>
+    <a:masterClrMapping/>
+  </p:clrMapOvr>
+</p:sld>
+</file>
+
+<file path=ppt/slides/slide9.xml><?xml version="1.0" encoding="utf-8"?>
+<p:sld xmlns:a="http://schemas.openxmlformats.org/drawingml/2006/main" xmlns:r="http://schemas.openxmlformats.org/officeDocument/2006/relationships" xmlns:p="http://schemas.openxmlformats.org/presentationml/2006/main">
+  <p:cSld>
+    <p:spTree>
+      <p:nvGrpSpPr>
+        <p:cNvPr id="1" name=""/>
+        <p:cNvGrpSpPr/>
+        <p:nvPr/>
+      </p:nvGrpSpPr>
+      <p:grpSpPr>
+        <a:xfrm>
+          <a:off x="0" y="0"/>
+          <a:ext cx="0" cy="0"/>
+          <a:chOff x="0" y="0"/>
+          <a:chExt cx="0" cy="0"/>
+        </a:xfrm>
+      </p:grpSpPr>
+      <p:sp>
+        <p:nvSpPr>
+          <p:cNvPr id="2" name="Title 1"/>
+          <p:cNvSpPr>
+            <a:spLocks noGrp="1"/>
+          </p:cNvSpPr>
+          <p:nvPr>
+            <p:ph type="title"/>
+          </p:nvPr>
+        </p:nvSpPr>
+        <p:spPr/>
+        <p:txBody>
+          <a:bodyPr/>
+          <a:lstStyle/>
+          <a:p>
+            <a:r>
+              <a:rPr lang="en-US" dirty="0" smtClean="0"/>
+              <a:t>Service Models</a:t>
+            </a:r>
+            <a:endParaRPr lang="en-US" dirty="0"/>
+          </a:p>
+        </p:txBody>
+      </p:sp>
+      <p:sp>
+        <p:nvSpPr>
+          <p:cNvPr id="3" name="Content Placeholder 2"/>
+          <p:cNvSpPr>
+            <a:spLocks noGrp="1"/>
+          </p:cNvSpPr>
+          <p:nvPr>
+            <p:ph idx="1"/>
+          </p:nvPr>
+        </p:nvSpPr>
+        <p:spPr/>
+        <p:txBody>
+          <a:bodyPr>
+            <a:normAutofit/>
+          </a:bodyPr>
+          <a:lstStyle/>
+          <a:p>
+            <a:r>
+              <a:rPr lang="en-US" sz="2800" dirty="0" smtClean="0"/>
+              <a:t>Service Models are the reference models on which the Cloud Computing is based. These can be categorized into three basic service models as listed below</a:t>
+            </a:r>
+            <a:r>
+              <a:rPr lang="en-US" sz="2800" dirty="0" smtClean="0"/>
+              <a:t>:</a:t>
+            </a:r>
+          </a:p>
+          <a:p>
+            <a:pPr>
+              <a:buNone/>
+            </a:pPr>
+            <a:r>
+              <a:rPr lang="en-US" sz="2800" dirty="0" smtClean="0"/>
+              <a:t>    1.Infrastructure </a:t>
+            </a:r>
+            <a:r>
+              <a:rPr lang="en-US" sz="2800" dirty="0" smtClean="0"/>
+              <a:t>as a Service (</a:t>
+            </a:r>
+            <a:r>
+              <a:rPr lang="en-US" sz="2800" dirty="0" err="1" smtClean="0"/>
+              <a:t>IaaS</a:t>
+            </a:r>
+            <a:r>
+              <a:rPr lang="en-US" sz="2800" dirty="0" smtClean="0"/>
+              <a:t>) </a:t>
+            </a:r>
+            <a:endParaRPr lang="en-US" sz="2800" dirty="0" smtClean="0"/>
+          </a:p>
+          <a:p>
+            <a:pPr>
+              <a:buNone/>
+            </a:pPr>
+            <a:r>
+              <a:rPr lang="en-US" sz="2800" dirty="0" smtClean="0"/>
+              <a:t>    2</a:t>
+            </a:r>
+            <a:r>
+              <a:rPr lang="en-US" sz="2800" dirty="0" smtClean="0"/>
+              <a:t>. Platform as a Service (</a:t>
+            </a:r>
+            <a:r>
+              <a:rPr lang="en-US" sz="2800" dirty="0" err="1" smtClean="0"/>
+              <a:t>PaaS</a:t>
+            </a:r>
+            <a:r>
+              <a:rPr lang="en-US" sz="2800" dirty="0" smtClean="0"/>
+              <a:t>) </a:t>
+            </a:r>
+            <a:endParaRPr lang="en-US" sz="2800" dirty="0" smtClean="0"/>
+          </a:p>
+          <a:p>
+            <a:pPr>
+              <a:buNone/>
+            </a:pPr>
+            <a:r>
+              <a:rPr lang="en-US" sz="2800" dirty="0" smtClean="0"/>
+              <a:t>    3</a:t>
+            </a:r>
+            <a:r>
+              <a:rPr lang="en-US" sz="2800" dirty="0" smtClean="0"/>
+              <a:t>. Software as a Service (</a:t>
+            </a:r>
+            <a:r>
+              <a:rPr lang="en-US" sz="2800" dirty="0" err="1" smtClean="0"/>
+              <a:t>SaaS</a:t>
+            </a:r>
+            <a:r>
+              <a:rPr lang="en-US" sz="2800" dirty="0" smtClean="0"/>
+              <a:t>)</a:t>
+            </a:r>
+            <a:endParaRPr lang="en-US" sz="2800" dirty="0"/>
           </a:p>
         </p:txBody>
       </p:sp>

--- a/Project Interim Submission/updatePrivate Cloud Setup with User  Storage Management.pptx
+++ b/Project Interim Submission/updatePrivate Cloud Setup with User  Storage Management.pptx
@@ -14,6 +14,7 @@
     <p:sldId id="264" r:id="rId8"/>
     <p:sldId id="265" r:id="rId9"/>
     <p:sldId id="266" r:id="rId10"/>
+    <p:sldId id="267" r:id="rId11"/>
   </p:sldIdLst>
   <p:sldSz cx="9144000" cy="6858000" type="screen4x3"/>
   <p:notesSz cx="6858000" cy="9144000"/>
@@ -3170,6 +3171,85 @@
             <a:r>
               <a:rPr lang="en-US" dirty="0" smtClean="0"/>
               <a:t> (IS-023)</a:t>
+            </a:r>
+            <a:endParaRPr lang="en-US" dirty="0"/>
+          </a:p>
+        </p:txBody>
+      </p:sp>
+    </p:spTree>
+  </p:cSld>
+  <p:clrMapOvr>
+    <a:masterClrMapping/>
+  </p:clrMapOvr>
+</p:sld>
+</file>
+
+<file path=ppt/slides/slide10.xml><?xml version="1.0" encoding="utf-8"?>
+<p:sld xmlns:a="http://schemas.openxmlformats.org/drawingml/2006/main" xmlns:r="http://schemas.openxmlformats.org/officeDocument/2006/relationships" xmlns:p="http://schemas.openxmlformats.org/presentationml/2006/main">
+  <p:cSld>
+    <p:spTree>
+      <p:nvGrpSpPr>
+        <p:cNvPr id="1" name=""/>
+        <p:cNvGrpSpPr/>
+        <p:nvPr/>
+      </p:nvGrpSpPr>
+      <p:grpSpPr>
+        <a:xfrm>
+          <a:off x="0" y="0"/>
+          <a:ext cx="0" cy="0"/>
+          <a:chOff x="0" y="0"/>
+          <a:chExt cx="0" cy="0"/>
+        </a:xfrm>
+      </p:grpSpPr>
+      <p:sp>
+        <p:nvSpPr>
+          <p:cNvPr id="2" name="Title 1"/>
+          <p:cNvSpPr>
+            <a:spLocks noGrp="1"/>
+          </p:cNvSpPr>
+          <p:nvPr>
+            <p:ph type="title"/>
+          </p:nvPr>
+        </p:nvSpPr>
+        <p:spPr/>
+        <p:txBody>
+          <a:bodyPr/>
+          <a:lstStyle/>
+          <a:p>
+            <a:r>
+              <a:rPr lang="en-US" dirty="0" smtClean="0"/>
+              <a:t>Service Models</a:t>
+            </a:r>
+            <a:endParaRPr lang="en-US" dirty="0"/>
+          </a:p>
+        </p:txBody>
+      </p:sp>
+      <p:sp>
+        <p:nvSpPr>
+          <p:cNvPr id="3" name="Content Placeholder 2"/>
+          <p:cNvSpPr>
+            <a:spLocks noGrp="1"/>
+          </p:cNvSpPr>
+          <p:nvPr>
+            <p:ph idx="1"/>
+          </p:nvPr>
+        </p:nvSpPr>
+        <p:spPr/>
+        <p:txBody>
+          <a:bodyPr/>
+          <a:lstStyle/>
+          <a:p>
+            <a:r>
+              <a:rPr lang="en-US" dirty="0" smtClean="0"/>
+              <a:t>Storage as a Service (</a:t>
+            </a:r>
+            <a:r>
+              <a:rPr lang="en-US" dirty="0" err="1" smtClean="0"/>
+              <a:t>STaaS</a:t>
+            </a:r>
+            <a:r>
+              <a:rPr lang="en-US" dirty="0" smtClean="0"/>
+              <a:t>), it allows users to store their data at remote disks and access them anytime from any place.</a:t>
             </a:r>
             <a:endParaRPr lang="en-US" dirty="0"/>
           </a:p>
